--- a/工作/Angular summary/表单.pptx
+++ b/工作/Angular summary/表单.pptx
@@ -5,10 +5,12 @@
     <p:sldMasterId id="2147483648" r:id="rId1"/>
   </p:sldMasterIdLst>
   <p:sldIdLst>
-    <p:sldId id="257" r:id="rId2"/>
-    <p:sldId id="258" r:id="rId3"/>
-    <p:sldId id="259" r:id="rId4"/>
-    <p:sldId id="260" r:id="rId5"/>
+    <p:sldId id="261" r:id="rId2"/>
+    <p:sldId id="257" r:id="rId3"/>
+    <p:sldId id="258" r:id="rId4"/>
+    <p:sldId id="262" r:id="rId5"/>
+    <p:sldId id="259" r:id="rId6"/>
+    <p:sldId id="260" r:id="rId7"/>
   </p:sldIdLst>
   <p:sldSz cx="12192000" cy="6858000"/>
   <p:notesSz cx="6858000" cy="9144000"/>
@@ -107,6 +109,11 @@
       </a:defRPr>
     </a:lvl9pPr>
   </p:defaultTextStyle>
+  <p:extLst>
+    <p:ext uri="{EFAFB233-063F-42B5-8137-9DF3F51BA10A}">
+      <p15:sldGuideLst xmlns:p15="http://schemas.microsoft.com/office/powerpoint/2012/main"/>
+    </p:ext>
+  </p:extLst>
 </p:presentation>
 </file>
 
@@ -241,7 +248,7 @@
           <a:p>
             <a:fld id="{975C014B-C2D3-4157-948C-05C06244FFEB}" type="datetimeFigureOut">
               <a:rPr lang="zh-CN" altLang="en-US" smtClean="0"/>
-              <a:t>2017/8/2 Wednesday</a:t>
+              <a:t>2017/8/7 Monday</a:t>
             </a:fld>
             <a:endParaRPr lang="zh-CN" altLang="en-US"/>
           </a:p>
@@ -411,7 +418,7 @@
           <a:p>
             <a:fld id="{975C014B-C2D3-4157-948C-05C06244FFEB}" type="datetimeFigureOut">
               <a:rPr lang="zh-CN" altLang="en-US" smtClean="0"/>
-              <a:t>2017/8/2 Wednesday</a:t>
+              <a:t>2017/8/7 Monday</a:t>
             </a:fld>
             <a:endParaRPr lang="zh-CN" altLang="en-US"/>
           </a:p>
@@ -591,7 +598,7 @@
           <a:p>
             <a:fld id="{975C014B-C2D3-4157-948C-05C06244FFEB}" type="datetimeFigureOut">
               <a:rPr lang="zh-CN" altLang="en-US" smtClean="0"/>
-              <a:t>2017/8/2 Wednesday</a:t>
+              <a:t>2017/8/7 Monday</a:t>
             </a:fld>
             <a:endParaRPr lang="zh-CN" altLang="en-US"/>
           </a:p>
@@ -761,7 +768,7 @@
           <a:p>
             <a:fld id="{975C014B-C2D3-4157-948C-05C06244FFEB}" type="datetimeFigureOut">
               <a:rPr lang="zh-CN" altLang="en-US" smtClean="0"/>
-              <a:t>2017/8/2 Wednesday</a:t>
+              <a:t>2017/8/7 Monday</a:t>
             </a:fld>
             <a:endParaRPr lang="zh-CN" altLang="en-US"/>
           </a:p>
@@ -1007,7 +1014,7 @@
           <a:p>
             <a:fld id="{975C014B-C2D3-4157-948C-05C06244FFEB}" type="datetimeFigureOut">
               <a:rPr lang="zh-CN" altLang="en-US" smtClean="0"/>
-              <a:t>2017/8/2 Wednesday</a:t>
+              <a:t>2017/8/7 Monday</a:t>
             </a:fld>
             <a:endParaRPr lang="zh-CN" altLang="en-US"/>
           </a:p>
@@ -1239,7 +1246,7 @@
           <a:p>
             <a:fld id="{975C014B-C2D3-4157-948C-05C06244FFEB}" type="datetimeFigureOut">
               <a:rPr lang="zh-CN" altLang="en-US" smtClean="0"/>
-              <a:t>2017/8/2 Wednesday</a:t>
+              <a:t>2017/8/7 Monday</a:t>
             </a:fld>
             <a:endParaRPr lang="zh-CN" altLang="en-US"/>
           </a:p>
@@ -1606,7 +1613,7 @@
           <a:p>
             <a:fld id="{975C014B-C2D3-4157-948C-05C06244FFEB}" type="datetimeFigureOut">
               <a:rPr lang="zh-CN" altLang="en-US" smtClean="0"/>
-              <a:t>2017/8/2 Wednesday</a:t>
+              <a:t>2017/8/7 Monday</a:t>
             </a:fld>
             <a:endParaRPr lang="zh-CN" altLang="en-US"/>
           </a:p>
@@ -1724,7 +1731,7 @@
           <a:p>
             <a:fld id="{975C014B-C2D3-4157-948C-05C06244FFEB}" type="datetimeFigureOut">
               <a:rPr lang="zh-CN" altLang="en-US" smtClean="0"/>
-              <a:t>2017/8/2 Wednesday</a:t>
+              <a:t>2017/8/7 Monday</a:t>
             </a:fld>
             <a:endParaRPr lang="zh-CN" altLang="en-US"/>
           </a:p>
@@ -1819,7 +1826,7 @@
           <a:p>
             <a:fld id="{975C014B-C2D3-4157-948C-05C06244FFEB}" type="datetimeFigureOut">
               <a:rPr lang="zh-CN" altLang="en-US" smtClean="0"/>
-              <a:t>2017/8/2 Wednesday</a:t>
+              <a:t>2017/8/7 Monday</a:t>
             </a:fld>
             <a:endParaRPr lang="zh-CN" altLang="en-US"/>
           </a:p>
@@ -2096,7 +2103,7 @@
           <a:p>
             <a:fld id="{975C014B-C2D3-4157-948C-05C06244FFEB}" type="datetimeFigureOut">
               <a:rPr lang="zh-CN" altLang="en-US" smtClean="0"/>
-              <a:t>2017/8/2 Wednesday</a:t>
+              <a:t>2017/8/7 Monday</a:t>
             </a:fld>
             <a:endParaRPr lang="zh-CN" altLang="en-US"/>
           </a:p>
@@ -2349,7 +2356,7 @@
           <a:p>
             <a:fld id="{975C014B-C2D3-4157-948C-05C06244FFEB}" type="datetimeFigureOut">
               <a:rPr lang="zh-CN" altLang="en-US" smtClean="0"/>
-              <a:t>2017/8/2 Wednesday</a:t>
+              <a:t>2017/8/7 Monday</a:t>
             </a:fld>
             <a:endParaRPr lang="zh-CN" altLang="en-US"/>
           </a:p>
@@ -2562,7 +2569,7 @@
           <a:p>
             <a:fld id="{975C014B-C2D3-4157-948C-05C06244FFEB}" type="datetimeFigureOut">
               <a:rPr lang="zh-CN" altLang="en-US" smtClean="0"/>
-              <a:t>2017/8/2 Wednesday</a:t>
+              <a:t>2017/8/7 Monday</a:t>
             </a:fld>
             <a:endParaRPr lang="zh-CN" altLang="en-US"/>
           </a:p>
@@ -2969,6 +2976,242 @@
       </p:grpSpPr>
       <p:sp>
         <p:nvSpPr>
+          <p:cNvPr id="11" name="矩形 10"/>
+          <p:cNvSpPr/>
+          <p:nvPr/>
+        </p:nvSpPr>
+        <p:spPr>
+          <a:xfrm>
+            <a:off x="280200" y="200883"/>
+            <a:ext cx="1415772" cy="584775"/>
+          </a:xfrm>
+          <a:prstGeom prst="rect">
+            <a:avLst/>
+          </a:prstGeom>
+        </p:spPr>
+        <p:txBody>
+          <a:bodyPr wrap="none">
+            <a:spAutoFit/>
+          </a:bodyPr>
+          <a:lstStyle/>
+          <a:p>
+            <a:r>
+              <a:rPr lang="en-US" altLang="zh-CN" sz="3200" dirty="0">
+                <a:latin typeface="Roboto"/>
+              </a:rPr>
+              <a:t>$event</a:t>
+            </a:r>
+            <a:endParaRPr lang="en-US" altLang="zh-CN" sz="3200" b="0" i="0" dirty="0">
+              <a:effectLst/>
+              <a:latin typeface="Roboto"/>
+            </a:endParaRPr>
+          </a:p>
+        </p:txBody>
+      </p:sp>
+      <p:sp>
+        <p:nvSpPr>
+          <p:cNvPr id="12" name="矩形 11"/>
+          <p:cNvSpPr/>
+          <p:nvPr/>
+        </p:nvSpPr>
+        <p:spPr>
+          <a:xfrm>
+            <a:off x="607410" y="924215"/>
+            <a:ext cx="3416320" cy="369332"/>
+          </a:xfrm>
+          <a:prstGeom prst="rect">
+            <a:avLst/>
+          </a:prstGeom>
+        </p:spPr>
+        <p:txBody>
+          <a:bodyPr wrap="none">
+            <a:spAutoFit/>
+          </a:bodyPr>
+          <a:lstStyle/>
+          <a:p>
+            <a:r>
+              <a:rPr lang="zh-CN" altLang="en-US" dirty="0">
+                <a:latin typeface="Roboto"/>
+              </a:rPr>
+              <a:t>通过 </a:t>
+            </a:r>
+            <a:r>
+              <a:rPr lang="en-US" altLang="zh-CN" dirty="0">
+                <a:latin typeface="Roboto"/>
+              </a:rPr>
+              <a:t>$event </a:t>
+            </a:r>
+            <a:r>
+              <a:rPr lang="zh-CN" altLang="en-US" dirty="0">
+                <a:latin typeface="Roboto"/>
+              </a:rPr>
+              <a:t>对象取得用户输入</a:t>
+            </a:r>
+            <a:endParaRPr lang="zh-CN" altLang="en-US" b="0" i="0" dirty="0">
+              <a:effectLst/>
+              <a:latin typeface="Roboto"/>
+            </a:endParaRPr>
+          </a:p>
+        </p:txBody>
+      </p:sp>
+      <p:sp>
+        <p:nvSpPr>
+          <p:cNvPr id="13" name="矩形 12"/>
+          <p:cNvSpPr/>
+          <p:nvPr/>
+        </p:nvSpPr>
+        <p:spPr>
+          <a:xfrm>
+            <a:off x="607410" y="1432104"/>
+            <a:ext cx="1569660" cy="369332"/>
+          </a:xfrm>
+          <a:prstGeom prst="rect">
+            <a:avLst/>
+          </a:prstGeom>
+        </p:spPr>
+        <p:txBody>
+          <a:bodyPr wrap="none">
+            <a:spAutoFit/>
+          </a:bodyPr>
+          <a:lstStyle/>
+          <a:p>
+            <a:r>
+              <a:rPr lang="en-US" altLang="zh-CN" i="1" dirty="0">
+                <a:latin typeface="Roboto"/>
+              </a:rPr>
+              <a:t>$event</a:t>
+            </a:r>
+            <a:r>
+              <a:rPr lang="zh-CN" altLang="en-US" dirty="0">
+                <a:latin typeface="Roboto"/>
+              </a:rPr>
+              <a:t>的类型</a:t>
+            </a:r>
+            <a:endParaRPr lang="zh-CN" altLang="en-US" b="0" i="0" dirty="0">
+              <a:effectLst/>
+              <a:latin typeface="Roboto"/>
+            </a:endParaRPr>
+          </a:p>
+        </p:txBody>
+      </p:sp>
+      <p:sp>
+        <p:nvSpPr>
+          <p:cNvPr id="14" name="矩形 13"/>
+          <p:cNvSpPr/>
+          <p:nvPr/>
+        </p:nvSpPr>
+        <p:spPr>
+          <a:xfrm>
+            <a:off x="607410" y="1939993"/>
+            <a:ext cx="3185487" cy="369332"/>
+          </a:xfrm>
+          <a:prstGeom prst="rect">
+            <a:avLst/>
+          </a:prstGeom>
+        </p:spPr>
+        <p:txBody>
+          <a:bodyPr wrap="none">
+            <a:spAutoFit/>
+          </a:bodyPr>
+          <a:lstStyle/>
+          <a:p>
+            <a:r>
+              <a:rPr lang="zh-CN" altLang="en-US" dirty="0">
+                <a:latin typeface="Roboto"/>
+              </a:rPr>
+              <a:t>传入 </a:t>
+            </a:r>
+            <a:r>
+              <a:rPr lang="en-US" altLang="zh-CN" i="1" dirty="0">
+                <a:latin typeface="Roboto"/>
+              </a:rPr>
+              <a:t>$event</a:t>
+            </a:r>
+            <a:r>
+              <a:rPr lang="en-US" altLang="zh-CN" dirty="0">
+                <a:latin typeface="Roboto"/>
+              </a:rPr>
+              <a:t> </a:t>
+            </a:r>
+            <a:r>
+              <a:rPr lang="zh-CN" altLang="en-US" dirty="0">
+                <a:latin typeface="Roboto"/>
+              </a:rPr>
+              <a:t>是靠不住的做法</a:t>
+            </a:r>
+            <a:endParaRPr lang="zh-CN" altLang="en-US" b="0" i="0" dirty="0">
+              <a:effectLst/>
+              <a:latin typeface="Roboto"/>
+            </a:endParaRPr>
+          </a:p>
+        </p:txBody>
+      </p:sp>
+      <p:sp>
+        <p:nvSpPr>
+          <p:cNvPr id="15" name="矩形 14"/>
+          <p:cNvSpPr/>
+          <p:nvPr/>
+        </p:nvSpPr>
+        <p:spPr>
+          <a:xfrm>
+            <a:off x="607410" y="2447882"/>
+            <a:ext cx="3877985" cy="369332"/>
+          </a:xfrm>
+          <a:prstGeom prst="rect">
+            <a:avLst/>
+          </a:prstGeom>
+        </p:spPr>
+        <p:txBody>
+          <a:bodyPr wrap="none">
+            <a:spAutoFit/>
+          </a:bodyPr>
+          <a:lstStyle/>
+          <a:p>
+            <a:r>
+              <a:rPr lang="zh-CN" altLang="en-US" dirty="0">
+                <a:latin typeface="Roboto"/>
+              </a:rPr>
+              <a:t>从一个模板引用变量中获得用户输入</a:t>
+            </a:r>
+            <a:endParaRPr lang="zh-CN" altLang="en-US" b="0" i="0" dirty="0">
+              <a:effectLst/>
+              <a:latin typeface="Roboto"/>
+            </a:endParaRPr>
+          </a:p>
+        </p:txBody>
+      </p:sp>
+    </p:spTree>
+    <p:extLst>
+      <p:ext uri="{BB962C8B-B14F-4D97-AF65-F5344CB8AC3E}">
+        <p14:creationId xmlns:p14="http://schemas.microsoft.com/office/powerpoint/2010/main" val="3960374193"/>
+      </p:ext>
+    </p:extLst>
+  </p:cSld>
+  <p:clrMapOvr>
+    <a:masterClrMapping/>
+  </p:clrMapOvr>
+</p:sld>
+</file>
+
+<file path=ppt/slides/slide2.xml><?xml version="1.0" encoding="utf-8"?>
+<p:sld xmlns:a="http://schemas.openxmlformats.org/drawingml/2006/main" xmlns:r="http://schemas.openxmlformats.org/officeDocument/2006/relationships" xmlns:p="http://schemas.openxmlformats.org/presentationml/2006/main">
+  <p:cSld>
+    <p:spTree>
+      <p:nvGrpSpPr>
+        <p:cNvPr id="1" name=""/>
+        <p:cNvGrpSpPr/>
+        <p:nvPr/>
+      </p:nvGrpSpPr>
+      <p:grpSpPr>
+        <a:xfrm>
+          <a:off x="0" y="0"/>
+          <a:ext cx="0" cy="0"/>
+          <a:chOff x="0" y="0"/>
+          <a:chExt cx="0" cy="0"/>
+        </a:xfrm>
+      </p:grpSpPr>
+      <p:sp>
+        <p:nvSpPr>
           <p:cNvPr id="3" name="标题 2"/>
           <p:cNvSpPr>
             <a:spLocks noGrp="1"/>
@@ -4276,7 +4519,7 @@
 </p:sld>
 </file>
 
-<file path=ppt/slides/slide2.xml><?xml version="1.0" encoding="utf-8"?>
+<file path=ppt/slides/slide3.xml><?xml version="1.0" encoding="utf-8"?>
 <p:sld xmlns:a="http://schemas.openxmlformats.org/drawingml/2006/main" xmlns:r="http://schemas.openxmlformats.org/officeDocument/2006/relationships" xmlns:p="http://schemas.openxmlformats.org/presentationml/2006/main">
   <p:cSld>
     <p:spTree>
@@ -5306,7 +5549,7 @@
 </p:sld>
 </file>
 
-<file path=ppt/slides/slide3.xml><?xml version="1.0" encoding="utf-8"?>
+<file path=ppt/slides/slide4.xml><?xml version="1.0" encoding="utf-8"?>
 <p:sld xmlns:a="http://schemas.openxmlformats.org/drawingml/2006/main" xmlns:r="http://schemas.openxmlformats.org/officeDocument/2006/relationships" xmlns:p="http://schemas.openxmlformats.org/presentationml/2006/main">
   <p:cSld>
     <p:spTree>
@@ -5325,6 +5568,75 @@
       </p:grpSpPr>
       <p:sp>
         <p:nvSpPr>
+          <p:cNvPr id="10" name="矩形 9"/>
+          <p:cNvSpPr/>
+          <p:nvPr/>
+        </p:nvSpPr>
+        <p:spPr>
+          <a:xfrm>
+            <a:off x="654318" y="514897"/>
+            <a:ext cx="1422184" cy="461665"/>
+          </a:xfrm>
+          <a:prstGeom prst="rect">
+            <a:avLst/>
+          </a:prstGeom>
+        </p:spPr>
+        <p:txBody>
+          <a:bodyPr wrap="none">
+            <a:spAutoFit/>
+          </a:bodyPr>
+          <a:lstStyle/>
+          <a:p>
+            <a:r>
+              <a:rPr lang="zh-CN" altLang="en-US" sz="2400" b="1" dirty="0" smtClean="0">
+                <a:solidFill>
+                  <a:srgbClr val="546E7A"/>
+                </a:solidFill>
+                <a:latin typeface="Helvetica Neue"/>
+              </a:rPr>
+              <a:t>表单验证</a:t>
+            </a:r>
+            <a:endParaRPr lang="zh-CN" altLang="en-US" sz="2400" b="1" dirty="0">
+              <a:solidFill>
+                <a:srgbClr val="546E7A"/>
+              </a:solidFill>
+              <a:latin typeface="Helvetica Neue"/>
+            </a:endParaRPr>
+          </a:p>
+        </p:txBody>
+      </p:sp>
+    </p:spTree>
+    <p:extLst>
+      <p:ext uri="{BB962C8B-B14F-4D97-AF65-F5344CB8AC3E}">
+        <p14:creationId xmlns:p14="http://schemas.microsoft.com/office/powerpoint/2010/main" val="2261488105"/>
+      </p:ext>
+    </p:extLst>
+  </p:cSld>
+  <p:clrMapOvr>
+    <a:masterClrMapping/>
+  </p:clrMapOvr>
+</p:sld>
+</file>
+
+<file path=ppt/slides/slide5.xml><?xml version="1.0" encoding="utf-8"?>
+<p:sld xmlns:a="http://schemas.openxmlformats.org/drawingml/2006/main" xmlns:r="http://schemas.openxmlformats.org/officeDocument/2006/relationships" xmlns:p="http://schemas.openxmlformats.org/presentationml/2006/main">
+  <p:cSld>
+    <p:spTree>
+      <p:nvGrpSpPr>
+        <p:cNvPr id="1" name=""/>
+        <p:cNvGrpSpPr/>
+        <p:nvPr/>
+      </p:nvGrpSpPr>
+      <p:grpSpPr>
+        <a:xfrm>
+          <a:off x="0" y="0"/>
+          <a:ext cx="0" cy="0"/>
+          <a:chOff x="0" y="0"/>
+          <a:chExt cx="0" cy="0"/>
+        </a:xfrm>
+      </p:grpSpPr>
+      <p:sp>
+        <p:nvSpPr>
           <p:cNvPr id="3" name="标题 2"/>
           <p:cNvSpPr>
             <a:spLocks noGrp="1"/>
@@ -5653,7 +5965,7 @@
 </p:sld>
 </file>
 
-<file path=ppt/slides/slide4.xml><?xml version="1.0" encoding="utf-8"?>
+<file path=ppt/slides/slide6.xml><?xml version="1.0" encoding="utf-8"?>
 <p:sld xmlns:a="http://schemas.openxmlformats.org/drawingml/2006/main" xmlns:r="http://schemas.openxmlformats.org/officeDocument/2006/relationships" xmlns:p="http://schemas.openxmlformats.org/presentationml/2006/main">
   <p:cSld>
     <p:spTree>
